--- a/4_statistics/Statistics.pptx
+++ b/4_statistics/Statistics.pptx
@@ -213,7 +213,7 @@
           <a:p>
             <a:fld id="{08FC0302-EC17-456F-B8A5-26B9CE262D03}" type="datetimeFigureOut">
               <a:rPr lang="en-US"/>
-              <a:t>11/9/2016</a:t>
+              <a:t>11/16/2016</a:t>
             </a:fld>
             <a:endParaRPr lang="en-US" dirty="0"/>
           </a:p>
@@ -1613,7 +1613,7 @@
           <a:p>
             <a:fld id="{846CE7D5-CF57-46EF-B807-FDD0502418D4}" type="datetimeFigureOut">
               <a:rPr lang="en-GB" smtClean="0"/>
-              <a:t>09/11/2016</a:t>
+              <a:t>16/11/2016</a:t>
             </a:fld>
             <a:endParaRPr lang="en-GB" dirty="0"/>
           </a:p>
@@ -1781,7 +1781,7 @@
           <a:p>
             <a:fld id="{846CE7D5-CF57-46EF-B807-FDD0502418D4}" type="datetimeFigureOut">
               <a:rPr lang="en-GB" smtClean="0"/>
-              <a:t>09/11/2016</a:t>
+              <a:t>16/11/2016</a:t>
             </a:fld>
             <a:endParaRPr lang="en-GB" dirty="0"/>
           </a:p>
@@ -1959,7 +1959,7 @@
           <a:p>
             <a:fld id="{846CE7D5-CF57-46EF-B807-FDD0502418D4}" type="datetimeFigureOut">
               <a:rPr lang="en-GB" smtClean="0"/>
-              <a:t>09/11/2016</a:t>
+              <a:t>16/11/2016</a:t>
             </a:fld>
             <a:endParaRPr lang="en-GB" dirty="0"/>
           </a:p>
@@ -2127,7 +2127,7 @@
           <a:p>
             <a:fld id="{846CE7D5-CF57-46EF-B807-FDD0502418D4}" type="datetimeFigureOut">
               <a:rPr lang="en-GB" smtClean="0"/>
-              <a:t>09/11/2016</a:t>
+              <a:t>16/11/2016</a:t>
             </a:fld>
             <a:endParaRPr lang="en-GB" dirty="0"/>
           </a:p>
@@ -2372,7 +2372,7 @@
           <a:p>
             <a:fld id="{846CE7D5-CF57-46EF-B807-FDD0502418D4}" type="datetimeFigureOut">
               <a:rPr lang="en-GB" smtClean="0"/>
-              <a:t>09/11/2016</a:t>
+              <a:t>16/11/2016</a:t>
             </a:fld>
             <a:endParaRPr lang="en-GB" dirty="0"/>
           </a:p>
@@ -2601,7 +2601,7 @@
           <a:p>
             <a:fld id="{846CE7D5-CF57-46EF-B807-FDD0502418D4}" type="datetimeFigureOut">
               <a:rPr lang="en-GB" smtClean="0"/>
-              <a:t>09/11/2016</a:t>
+              <a:t>16/11/2016</a:t>
             </a:fld>
             <a:endParaRPr lang="en-GB" dirty="0"/>
           </a:p>
@@ -2965,7 +2965,7 @@
           <a:p>
             <a:fld id="{846CE7D5-CF57-46EF-B807-FDD0502418D4}" type="datetimeFigureOut">
               <a:rPr lang="en-GB" smtClean="0"/>
-              <a:t>09/11/2016</a:t>
+              <a:t>16/11/2016</a:t>
             </a:fld>
             <a:endParaRPr lang="en-GB" dirty="0"/>
           </a:p>
@@ -3082,7 +3082,7 @@
           <a:p>
             <a:fld id="{846CE7D5-CF57-46EF-B807-FDD0502418D4}" type="datetimeFigureOut">
               <a:rPr lang="en-GB" smtClean="0"/>
-              <a:t>09/11/2016</a:t>
+              <a:t>16/11/2016</a:t>
             </a:fld>
             <a:endParaRPr lang="en-GB" dirty="0"/>
           </a:p>
@@ -3177,7 +3177,7 @@
           <a:p>
             <a:fld id="{846CE7D5-CF57-46EF-B807-FDD0502418D4}" type="datetimeFigureOut">
               <a:rPr lang="en-GB" smtClean="0"/>
-              <a:t>09/11/2016</a:t>
+              <a:t>16/11/2016</a:t>
             </a:fld>
             <a:endParaRPr lang="en-GB" dirty="0"/>
           </a:p>
@@ -3452,7 +3452,7 @@
           <a:p>
             <a:fld id="{846CE7D5-CF57-46EF-B807-FDD0502418D4}" type="datetimeFigureOut">
               <a:rPr lang="en-GB" smtClean="0"/>
-              <a:t>09/11/2016</a:t>
+              <a:t>16/11/2016</a:t>
             </a:fld>
             <a:endParaRPr lang="en-GB" dirty="0"/>
           </a:p>
@@ -3707,7 +3707,7 @@
           <a:p>
             <a:fld id="{846CE7D5-CF57-46EF-B807-FDD0502418D4}" type="datetimeFigureOut">
               <a:rPr lang="en-GB" smtClean="0"/>
-              <a:t>09/11/2016</a:t>
+              <a:t>16/11/2016</a:t>
             </a:fld>
             <a:endParaRPr lang="en-GB" dirty="0"/>
           </a:p>
@@ -3918,7 +3918,7 @@
           <a:p>
             <a:fld id="{846CE7D5-CF57-46EF-B807-FDD0502418D4}" type="datetimeFigureOut">
               <a:rPr lang="en-GB" smtClean="0"/>
-              <a:t>09/11/2016</a:t>
+              <a:t>16/11/2016</a:t>
             </a:fld>
             <a:endParaRPr lang="en-GB" dirty="0"/>
           </a:p>
@@ -9593,14 +9593,14 @@
       </p:sp>
       <p:sp>
         <p:nvSpPr>
-          <p:cNvPr id="6" name="Rectangle 5"/>
+          <p:cNvPr id="7" name="Rectangle 6"/>
           <p:cNvSpPr/>
           <p:nvPr/>
         </p:nvSpPr>
         <p:spPr>
           <a:xfrm>
-            <a:off x="5420164" y="2984456"/>
-            <a:ext cx="1584000" cy="914400"/>
+            <a:off x="4815203" y="2975029"/>
+            <a:ext cx="1908000" cy="972000"/>
           </a:xfrm>
           <a:prstGeom prst="rect">
             <a:avLst/>
@@ -9634,14 +9634,14 @@
           <a:p>
             <a:pPr algn="ctr"/>
             <a:r>
-              <a:rPr lang="EN-US" dirty="0">
+              <a:rPr lang="pl-PL" sz="2400" dirty="0">
                 <a:solidFill>
                   <a:schemeClr val="bg1"/>
                 </a:solidFill>
               </a:rPr>
-              <a:t>COST BASED OPTIMIZATION</a:t>
-            </a:r>
-            <a:endParaRPr lang="en-US" dirty="0">
+              <a:t>COMPILE</a:t>
+            </a:r>
+            <a:endParaRPr lang="en-US" sz="2400" dirty="0">
               <a:solidFill>
                 <a:schemeClr val="bg1"/>
               </a:solidFill>
@@ -9651,14 +9651,14 @@
       </p:sp>
       <p:sp>
         <p:nvSpPr>
-          <p:cNvPr id="7" name="Rectangle 6"/>
+          <p:cNvPr id="8" name="Rectangle 7"/>
           <p:cNvSpPr/>
           <p:nvPr/>
         </p:nvSpPr>
         <p:spPr>
           <a:xfrm>
-            <a:off x="7706382" y="2984456"/>
-            <a:ext cx="1512000" cy="914400"/>
+            <a:off x="7822750" y="2975029"/>
+            <a:ext cx="1908000" cy="972000"/>
           </a:xfrm>
           <a:prstGeom prst="rect">
             <a:avLst/>
@@ -9692,14 +9692,14 @@
           <a:p>
             <a:pPr algn="ctr"/>
             <a:r>
-              <a:rPr lang="EN-US" dirty="0">
+              <a:rPr lang="pl-PL" sz="2400" dirty="0">
                 <a:solidFill>
                   <a:schemeClr val="bg1"/>
                 </a:solidFill>
               </a:rPr>
-              <a:t>COMPILATION</a:t>
-            </a:r>
-            <a:endParaRPr lang="en-US" dirty="0">
+              <a:t>EXECUTE</a:t>
+            </a:r>
+            <a:endParaRPr lang="en-US" sz="2400" dirty="0">
               <a:solidFill>
                 <a:schemeClr val="bg1"/>
               </a:solidFill>
@@ -9709,14 +9709,14 @@
       </p:sp>
       <p:sp>
         <p:nvSpPr>
-          <p:cNvPr id="8" name="Rectangle 7"/>
+          <p:cNvPr id="9" name="Rectangle 8"/>
           <p:cNvSpPr/>
           <p:nvPr/>
         </p:nvSpPr>
         <p:spPr>
           <a:xfrm>
-            <a:off x="9913800" y="2984456"/>
-            <a:ext cx="1440000" cy="914400"/>
+            <a:off x="1798232" y="2975029"/>
+            <a:ext cx="1908000" cy="972000"/>
           </a:xfrm>
           <a:prstGeom prst="rect">
             <a:avLst/>
@@ -9750,130 +9750,14 @@
           <a:p>
             <a:pPr algn="ctr"/>
             <a:r>
-              <a:rPr lang="EN-US" dirty="0">
+              <a:rPr lang="EN-US" sz="2400" dirty="0">
                 <a:solidFill>
                   <a:schemeClr val="bg1"/>
                 </a:solidFill>
               </a:rPr>
-              <a:t>EXECUTION</a:t>
-            </a:r>
-            <a:endParaRPr lang="en-US" dirty="0">
-              <a:solidFill>
-                <a:schemeClr val="bg1"/>
-              </a:solidFill>
-            </a:endParaRPr>
-          </a:p>
-        </p:txBody>
-      </p:sp>
-      <p:sp>
-        <p:nvSpPr>
-          <p:cNvPr id="9" name="Rectangle 8"/>
-          <p:cNvSpPr/>
-          <p:nvPr/>
-        </p:nvSpPr>
-        <p:spPr>
-          <a:xfrm>
-            <a:off x="838199" y="2993981"/>
-            <a:ext cx="1440000" cy="914400"/>
-          </a:xfrm>
-          <a:prstGeom prst="rect">
-            <a:avLst/>
-          </a:prstGeom>
-          <a:solidFill>
-            <a:schemeClr val="accent2">
-              <a:lumMod val="50000"/>
-            </a:schemeClr>
-          </a:solidFill>
-          <a:ln>
-            <a:noFill/>
-          </a:ln>
-        </p:spPr>
-        <p:style>
-          <a:lnRef idx="0">
-            <a:scrgbClr r="0" g="0" b="0"/>
-          </a:lnRef>
-          <a:fillRef idx="0">
-            <a:scrgbClr r="0" g="0" b="0"/>
-          </a:fillRef>
-          <a:effectRef idx="0">
-            <a:scrgbClr r="0" g="0" b="0"/>
-          </a:effectRef>
-          <a:fontRef idx="minor">
-            <a:schemeClr val="lt1"/>
-          </a:fontRef>
-        </p:style>
-        <p:txBody>
-          <a:bodyPr rtlCol="0" anchor="ctr"/>
-          <a:lstStyle/>
-          <a:p>
-            <a:pPr algn="ctr"/>
-            <a:r>
-              <a:rPr lang="EN-US" dirty="0">
-                <a:solidFill>
-                  <a:schemeClr val="bg1"/>
-                </a:solidFill>
-              </a:rPr>
               <a:t>PARSE</a:t>
             </a:r>
-            <a:endParaRPr lang="en-US" dirty="0">
-              <a:solidFill>
-                <a:schemeClr val="bg1"/>
-              </a:solidFill>
-            </a:endParaRPr>
-          </a:p>
-        </p:txBody>
-      </p:sp>
-      <p:sp>
-        <p:nvSpPr>
-          <p:cNvPr id="10" name="Rectangle 9"/>
-          <p:cNvSpPr/>
-          <p:nvPr/>
-        </p:nvSpPr>
-        <p:spPr>
-          <a:xfrm>
-            <a:off x="3133944" y="2984456"/>
-            <a:ext cx="1440000" cy="914400"/>
-          </a:xfrm>
-          <a:prstGeom prst="rect">
-            <a:avLst/>
-          </a:prstGeom>
-          <a:solidFill>
-            <a:schemeClr val="accent2">
-              <a:lumMod val="50000"/>
-            </a:schemeClr>
-          </a:solidFill>
-          <a:ln>
-            <a:noFill/>
-          </a:ln>
-        </p:spPr>
-        <p:style>
-          <a:lnRef idx="0">
-            <a:scrgbClr r="0" g="0" b="0"/>
-          </a:lnRef>
-          <a:fillRef idx="0">
-            <a:scrgbClr r="0" g="0" b="0"/>
-          </a:fillRef>
-          <a:effectRef idx="0">
-            <a:scrgbClr r="0" g="0" b="0"/>
-          </a:effectRef>
-          <a:fontRef idx="minor">
-            <a:schemeClr val="lt1"/>
-          </a:fontRef>
-        </p:style>
-        <p:txBody>
-          <a:bodyPr rtlCol="0" anchor="ctr"/>
-          <a:lstStyle/>
-          <a:p>
-            <a:pPr algn="ctr"/>
-            <a:r>
-              <a:rPr lang="EN-US" dirty="0">
-                <a:solidFill>
-                  <a:schemeClr val="bg1"/>
-                </a:solidFill>
-              </a:rPr>
-              <a:t>QUERY TREE</a:t>
-            </a:r>
-            <a:endParaRPr lang="en-US" dirty="0">
+            <a:endParaRPr lang="en-US" sz="2400" dirty="0">
               <a:solidFill>
                 <a:schemeClr val="bg1"/>
               </a:solidFill>
@@ -9926,6 +9810,50 @@
           <a:lstStyle/>
           <a:p>
             <a:pPr algn="ctr"/>
+            <a:endParaRPr lang="en-US" dirty="0"/>
+          </a:p>
+        </p:txBody>
+      </p:sp>
+      <p:sp>
+        <p:nvSpPr>
+          <p:cNvPr id="3" name="Callout: Up Arrow 2"/>
+          <p:cNvSpPr/>
+          <p:nvPr/>
+        </p:nvSpPr>
+        <p:spPr>
+          <a:xfrm>
+            <a:off x="4815203" y="4202463"/>
+            <a:ext cx="1908000" cy="1406485"/>
+          </a:xfrm>
+          <a:prstGeom prst="upArrowCallout">
+            <a:avLst/>
+          </a:prstGeom>
+        </p:spPr>
+        <p:style>
+          <a:lnRef idx="2">
+            <a:schemeClr val="accent2">
+              <a:shade val="50000"/>
+            </a:schemeClr>
+          </a:lnRef>
+          <a:fillRef idx="1">
+            <a:schemeClr val="accent2"/>
+          </a:fillRef>
+          <a:effectRef idx="0">
+            <a:schemeClr val="accent2"/>
+          </a:effectRef>
+          <a:fontRef idx="minor">
+            <a:schemeClr val="lt1"/>
+          </a:fontRef>
+        </p:style>
+        <p:txBody>
+          <a:bodyPr rtlCol="0" anchor="ctr"/>
+          <a:lstStyle/>
+          <a:p>
+            <a:pPr algn="ctr"/>
+            <a:r>
+              <a:rPr lang="pl-PL" dirty="0"/>
+              <a:t>COST BASED OPTIMIZATION</a:t>
+            </a:r>
             <a:endParaRPr lang="en-US" dirty="0"/>
           </a:p>
         </p:txBody>
@@ -10027,7 +9955,7 @@
                                           </p:stCondLst>
                                         </p:cTn>
                                         <p:tgtEl>
-                                          <p:spTgt spid="10"/>
+                                          <p:spTgt spid="7"/>
                                         </p:tgtEl>
                                         <p:attrNameLst>
                                           <p:attrName>style.visibility</p:attrName>
@@ -10041,7 +9969,7 @@
                                       <p:cBhvr>
                                         <p:cTn id="12" dur="500"/>
                                         <p:tgtEl>
-                                          <p:spTgt spid="10"/>
+                                          <p:spTgt spid="7"/>
                                         </p:tgtEl>
                                       </p:cBhvr>
                                     </p:animEffect>
@@ -10080,7 +10008,7 @@
                                           </p:stCondLst>
                                         </p:cTn>
                                         <p:tgtEl>
-                                          <p:spTgt spid="6"/>
+                                          <p:spTgt spid="8"/>
                                         </p:tgtEl>
                                         <p:attrNameLst>
                                           <p:attrName>style.visibility</p:attrName>
@@ -10094,7 +10022,7 @@
                                       <p:cBhvr>
                                         <p:cTn id="17" dur="500"/>
                                         <p:tgtEl>
-                                          <p:spTgt spid="6"/>
+                                          <p:spTgt spid="8"/>
                                         </p:tgtEl>
                                       </p:cBhvr>
                                     </p:animEffect>
@@ -10133,7 +10061,7 @@
                                           </p:stCondLst>
                                         </p:cTn>
                                         <p:tgtEl>
-                                          <p:spTgt spid="7"/>
+                                          <p:spTgt spid="3"/>
                                         </p:tgtEl>
                                         <p:attrNameLst>
                                           <p:attrName>style.visibility</p:attrName>
@@ -10147,132 +10075,10 @@
                                       <p:cBhvr>
                                         <p:cTn id="22" dur="500"/>
                                         <p:tgtEl>
-                                          <p:spTgt spid="7"/>
+                                          <p:spTgt spid="3"/>
                                         </p:tgtEl>
                                       </p:cBhvr>
                                     </p:animEffect>
-                                  </p:childTnLst>
-                                </p:cTn>
-                              </p:par>
-                            </p:childTnLst>
-                          </p:cTn>
-                        </p:par>
-                      </p:childTnLst>
-                    </p:cTn>
-                  </p:par>
-                  <p:par>
-                    <p:cTn id="23" fill="hold">
-                      <p:stCondLst>
-                        <p:cond delay="indefinite"/>
-                      </p:stCondLst>
-                      <p:childTnLst>
-                        <p:par>
-                          <p:cTn id="24" fill="hold">
-                            <p:stCondLst>
-                              <p:cond delay="0"/>
-                            </p:stCondLst>
-                            <p:childTnLst>
-                              <p:par>
-                                <p:cTn id="25" presetID="10" presetClass="entr" presetSubtype="0" fill="hold" grpId="0" nodeType="clickEffect">
-                                  <p:stCondLst>
-                                    <p:cond delay="0"/>
-                                  </p:stCondLst>
-                                  <p:childTnLst>
-                                    <p:set>
-                                      <p:cBhvr>
-                                        <p:cTn id="26" dur="1" fill="hold">
-                                          <p:stCondLst>
-                                            <p:cond delay="0"/>
-                                          </p:stCondLst>
-                                        </p:cTn>
-                                        <p:tgtEl>
-                                          <p:spTgt spid="8"/>
-                                        </p:tgtEl>
-                                        <p:attrNameLst>
-                                          <p:attrName>style.visibility</p:attrName>
-                                        </p:attrNameLst>
-                                      </p:cBhvr>
-                                      <p:to>
-                                        <p:strVal val="visible"/>
-                                      </p:to>
-                                    </p:set>
-                                    <p:animEffect transition="in" filter="fade">
-                                      <p:cBhvr>
-                                        <p:cTn id="27" dur="500"/>
-                                        <p:tgtEl>
-                                          <p:spTgt spid="8"/>
-                                        </p:tgtEl>
-                                      </p:cBhvr>
-                                    </p:animEffect>
-                                  </p:childTnLst>
-                                </p:cTn>
-                              </p:par>
-                            </p:childTnLst>
-                          </p:cTn>
-                        </p:par>
-                      </p:childTnLst>
-                    </p:cTn>
-                  </p:par>
-                  <p:par>
-                    <p:cTn id="28" fill="hold">
-                      <p:stCondLst>
-                        <p:cond delay="indefinite"/>
-                      </p:stCondLst>
-                      <p:childTnLst>
-                        <p:par>
-                          <p:cTn id="29" fill="hold">
-                            <p:stCondLst>
-                              <p:cond delay="0"/>
-                            </p:stCondLst>
-                            <p:childTnLst>
-                              <p:par>
-                                <p:cTn id="30" presetID="1" presetClass="emph" presetSubtype="2" fill="hold" nodeType="clickEffect">
-                                  <p:stCondLst>
-                                    <p:cond delay="0"/>
-                                  </p:stCondLst>
-                                  <p:childTnLst>
-                                    <p:animClr clrSpc="rgb" dir="cw">
-                                      <p:cBhvr>
-                                        <p:cTn id="31" dur="1000" fill="hold"/>
-                                        <p:tgtEl>
-                                          <p:spTgt spid="6"/>
-                                        </p:tgtEl>
-                                        <p:attrNameLst>
-                                          <p:attrName>fillcolor</p:attrName>
-                                        </p:attrNameLst>
-                                      </p:cBhvr>
-                                      <p:to>
-                                        <a:schemeClr val="accent2"/>
-                                      </p:to>
-                                    </p:animClr>
-                                    <p:set>
-                                      <p:cBhvr>
-                                        <p:cTn id="32" dur="1000" fill="hold"/>
-                                        <p:tgtEl>
-                                          <p:spTgt spid="6"/>
-                                        </p:tgtEl>
-                                        <p:attrNameLst>
-                                          <p:attrName>fill.type</p:attrName>
-                                        </p:attrNameLst>
-                                      </p:cBhvr>
-                                      <p:to>
-                                        <p:strVal val="solid"/>
-                                      </p:to>
-                                    </p:set>
-                                    <p:set>
-                                      <p:cBhvr>
-                                        <p:cTn id="33" dur="1000" fill="hold"/>
-                                        <p:tgtEl>
-                                          <p:spTgt spid="6"/>
-                                        </p:tgtEl>
-                                        <p:attrNameLst>
-                                          <p:attrName>fill.on</p:attrName>
-                                        </p:attrNameLst>
-                                      </p:cBhvr>
-                                      <p:to>
-                                        <p:strVal val="true"/>
-                                      </p:to>
-                                    </p:set>
                                   </p:childTnLst>
                                 </p:cTn>
                               </p:par>
@@ -10304,11 +10110,10 @@
       </p:par>
     </p:tnLst>
     <p:bldLst>
-      <p:bldP spid="6" grpId="0" animBg="1"/>
       <p:bldP spid="7" grpId="0" animBg="1"/>
       <p:bldP spid="8" grpId="0" animBg="1"/>
       <p:bldP spid="9" grpId="0" animBg="1"/>
-      <p:bldP spid="10" grpId="0" animBg="1"/>
+      <p:bldP spid="3" grpId="0" animBg="1"/>
     </p:bldLst>
   </p:timing>
 </p:sld>
@@ -11131,7 +10936,7 @@
         <p:spPr>
           <a:xfrm>
             <a:off x="9001217" y="2257425"/>
-            <a:ext cx="2352583" cy="1754326"/>
+            <a:ext cx="2352583" cy="1200329"/>
           </a:xfrm>
           <a:prstGeom prst="rect">
             <a:avLst/>
@@ -11152,7 +10957,7 @@
                   <a:schemeClr val="bg1"/>
                 </a:solidFill>
               </a:rPr>
-              <a:t>What can influence the plan </a:t>
+              <a:t>What can influence the </a:t>
             </a:r>
             <a:r>
               <a:rPr lang="pl-PL" b="1" dirty="0" err="1">
@@ -11160,7 +10965,7 @@
                   <a:schemeClr val="bg1"/>
                 </a:solidFill>
               </a:rPr>
-              <a:t>generation</a:t>
+              <a:t>cost</a:t>
             </a:r>
             <a:r>
               <a:rPr lang="pl-PL" b="1" dirty="0">
@@ -11177,12 +10982,20 @@
               <a:buChar char="q"/>
             </a:pPr>
             <a:r>
+              <a:rPr lang="pl-PL" dirty="0">
+                <a:solidFill>
+                  <a:schemeClr val="bg1"/>
+                </a:solidFill>
+              </a:rPr>
+              <a:t>Data </a:t>
+            </a:r>
+            <a:r>
               <a:rPr lang="pl-PL" dirty="0" err="1">
                 <a:solidFill>
                   <a:schemeClr val="bg1"/>
                 </a:solidFill>
               </a:rPr>
-              <a:t>Indexes</a:t>
+              <a:t>selectivity</a:t>
             </a:r>
             <a:endParaRPr lang="pl-PL" dirty="0">
               <a:solidFill>
@@ -11196,12 +11009,20 @@
               <a:buChar char="q"/>
             </a:pPr>
             <a:r>
+              <a:rPr lang="pl-PL" dirty="0" err="1">
+                <a:solidFill>
+                  <a:schemeClr val="bg1"/>
+                </a:solidFill>
+              </a:rPr>
+              <a:t>Resources</a:t>
+            </a:r>
+            <a:r>
               <a:rPr lang="pl-PL" dirty="0">
                 <a:solidFill>
                   <a:schemeClr val="bg1"/>
                 </a:solidFill>
               </a:rPr>
-              <a:t>Data </a:t>
+              <a:t> </a:t>
             </a:r>
             <a:r>
               <a:rPr lang="pl-PL" dirty="0" err="1">
@@ -11209,48 +11030,7 @@
                   <a:schemeClr val="bg1"/>
                 </a:solidFill>
               </a:rPr>
-              <a:t>selectivity</a:t>
-            </a:r>
-            <a:endParaRPr lang="pl-PL" dirty="0">
-              <a:solidFill>
-                <a:schemeClr val="bg1"/>
-              </a:solidFill>
-            </a:endParaRPr>
-          </a:p>
-          <a:p>
-            <a:pPr marL="285750" indent="-285750">
-              <a:buFont typeface="Wingdings" panose="05000000000000000000" pitchFamily="2" charset="2"/>
-              <a:buChar char="q"/>
-            </a:pPr>
-            <a:r>
-              <a:rPr lang="pl-PL" dirty="0">
-                <a:solidFill>
-                  <a:schemeClr val="bg1"/>
-                </a:solidFill>
-              </a:rPr>
-              <a:t>Query</a:t>
-            </a:r>
-          </a:p>
-          <a:p>
-            <a:pPr marL="285750" indent="-285750">
-              <a:buFont typeface="Wingdings" panose="05000000000000000000" pitchFamily="2" charset="2"/>
-              <a:buChar char="q"/>
-            </a:pPr>
-            <a:r>
-              <a:rPr lang="pl-PL" dirty="0">
-                <a:solidFill>
-                  <a:schemeClr val="bg1"/>
-                </a:solidFill>
-              </a:rPr>
-              <a:t>Database </a:t>
-            </a:r>
-            <a:r>
-              <a:rPr lang="pl-PL" dirty="0" err="1">
-                <a:solidFill>
-                  <a:schemeClr val="bg1"/>
-                </a:solidFill>
-              </a:rPr>
-              <a:t>settings</a:t>
+              <a:t>usage</a:t>
             </a:r>
             <a:endParaRPr lang="pl-PL" dirty="0">
               <a:solidFill>
@@ -12584,6 +12364,59 @@
                       </p:childTnLst>
                     </p:cTn>
                   </p:par>
+                  <p:par>
+                    <p:cTn id="91" fill="hold">
+                      <p:stCondLst>
+                        <p:cond delay="indefinite"/>
+                      </p:stCondLst>
+                      <p:childTnLst>
+                        <p:par>
+                          <p:cTn id="92" fill="hold">
+                            <p:stCondLst>
+                              <p:cond delay="0"/>
+                            </p:stCondLst>
+                            <p:childTnLst>
+                              <p:par>
+                                <p:cTn id="93" presetID="10" presetClass="entr" presetSubtype="0" fill="hold" grpId="0" nodeType="clickEffect">
+                                  <p:stCondLst>
+                                    <p:cond delay="0"/>
+                                  </p:stCondLst>
+                                  <p:childTnLst>
+                                    <p:set>
+                                      <p:cBhvr>
+                                        <p:cTn id="94" dur="1" fill="hold">
+                                          <p:stCondLst>
+                                            <p:cond delay="0"/>
+                                          </p:stCondLst>
+                                        </p:cTn>
+                                        <p:tgtEl>
+                                          <p:spTgt spid="6"/>
+                                        </p:tgtEl>
+                                        <p:attrNameLst>
+                                          <p:attrName>style.visibility</p:attrName>
+                                        </p:attrNameLst>
+                                      </p:cBhvr>
+                                      <p:to>
+                                        <p:strVal val="visible"/>
+                                      </p:to>
+                                    </p:set>
+                                    <p:animEffect transition="in" filter="fade">
+                                      <p:cBhvr>
+                                        <p:cTn id="95" dur="500"/>
+                                        <p:tgtEl>
+                                          <p:spTgt spid="6"/>
+                                        </p:tgtEl>
+                                      </p:cBhvr>
+                                    </p:animEffect>
+                                  </p:childTnLst>
+                                </p:cTn>
+                              </p:par>
+                            </p:childTnLst>
+                          </p:cTn>
+                        </p:par>
+                      </p:childTnLst>
+                    </p:cTn>
+                  </p:par>
                 </p:childTnLst>
               </p:cTn>
               <p:prevCondLst>
@@ -12619,6 +12452,7 @@
       <p:bldP spid="23" grpId="0" animBg="1"/>
       <p:bldP spid="24" grpId="0"/>
       <p:bldP spid="25" grpId="0"/>
+      <p:bldP spid="6" grpId="0" animBg="1"/>
     </p:bldLst>
   </p:timing>
 </p:sld>
